--- a/course_material/week_09/week_09_presentation.pptx
+++ b/course_material/week_09/week_09_presentation.pptx
@@ -5,7 +5,7 @@
     <p:sldMasterId id="2147483696" r:id="rId1"/>
   </p:sldMasterIdLst>
   <p:notesMasterIdLst>
-    <p:notesMasterId r:id="rId17"/>
+    <p:notesMasterId r:id="rId18"/>
   </p:notesMasterIdLst>
   <p:sldIdLst>
     <p:sldId id="256" r:id="rId2"/>
@@ -22,7 +22,8 @@
     <p:sldId id="305" r:id="rId13"/>
     <p:sldId id="308" r:id="rId14"/>
     <p:sldId id="307" r:id="rId15"/>
-    <p:sldId id="271" r:id="rId16"/>
+    <p:sldId id="311" r:id="rId16"/>
+    <p:sldId id="271" r:id="rId17"/>
   </p:sldIdLst>
   <p:sldSz cx="12192000" cy="6858000"/>
   <p:notesSz cx="6858000" cy="9144000"/>
@@ -1837,7 +1838,7 @@
           <a:p>
             <a:fld id="{5CF9EFDB-215C-4120-ADCB-EAD745B7163E}" type="datetimeFigureOut">
               <a:rPr lang="en-US" smtClean="0"/>
-              <a:t>4/25/2021</a:t>
+              <a:t>4/28/2021</a:t>
             </a:fld>
             <a:endParaRPr lang="en-US"/>
           </a:p>
@@ -2148,10 +2149,7 @@
           <a:bodyPr/>
           <a:lstStyle/>
           <a:p>
-            <a:r>
-              <a:rPr lang="en-US" dirty="0"/>
-              <a:t>How frequently we expect an outcome to occur if we repeat an experiment over repeatedly.</a:t>
-            </a:r>
+            <a:endParaRPr lang="en-US" dirty="0"/>
           </a:p>
         </p:txBody>
       </p:sp>
@@ -2172,7 +2170,7 @@
           <a:p>
             <a:fld id="{791F1524-C5FD-4370-8A10-5BE52A97A495}" type="slidenum">
               <a:rPr lang="en-US" smtClean="0"/>
-              <a:t>7</a:t>
+              <a:t>6</a:t>
             </a:fld>
             <a:endParaRPr lang="en-US"/>
           </a:p>
@@ -2181,7 +2179,7 @@
     </p:spTree>
     <p:extLst>
       <p:ext uri="{BB962C8B-B14F-4D97-AF65-F5344CB8AC3E}">
-        <p14:creationId xmlns:p14="http://schemas.microsoft.com/office/powerpoint/2010/main" val="3719409731"/>
+        <p14:creationId xmlns:p14="http://schemas.microsoft.com/office/powerpoint/2010/main" val="2321611839"/>
       </p:ext>
     </p:extLst>
   </p:cSld>
@@ -2237,7 +2235,7 @@
           <a:p>
             <a:r>
               <a:rPr lang="en-US" dirty="0"/>
-              <a:t>statisticsfromatoz.com/blog/statistics-tip-of-the-week-different-distributions-can-have-discrete-or-continuous-probability-graphs-for-discrete-or-continuous-data</a:t>
+              <a:t>How frequently we expect an outcome to occur if we repeat an experiment over repeatedly.</a:t>
             </a:r>
           </a:p>
         </p:txBody>
@@ -2259,7 +2257,7 @@
           <a:p>
             <a:fld id="{791F1524-C5FD-4370-8A10-5BE52A97A495}" type="slidenum">
               <a:rPr lang="en-US" smtClean="0"/>
-              <a:t>9</a:t>
+              <a:t>7</a:t>
             </a:fld>
             <a:endParaRPr lang="en-US"/>
           </a:p>
@@ -2268,7 +2266,7 @@
     </p:spTree>
     <p:extLst>
       <p:ext uri="{BB962C8B-B14F-4D97-AF65-F5344CB8AC3E}">
-        <p14:creationId xmlns:p14="http://schemas.microsoft.com/office/powerpoint/2010/main" val="1824130927"/>
+        <p14:creationId xmlns:p14="http://schemas.microsoft.com/office/powerpoint/2010/main" val="3719409731"/>
       </p:ext>
     </p:extLst>
   </p:cSld>
@@ -2324,7 +2322,7 @@
           <a:p>
             <a:r>
               <a:rPr lang="en-US" dirty="0"/>
-              <a:t>https://xaktly.com/UniformProbDistr.html</a:t>
+              <a:t>statisticsfromatoz.com/blog/statistics-tip-of-the-week-different-distributions-can-have-discrete-or-continuous-probability-graphs-for-discrete-or-continuous-data</a:t>
             </a:r>
           </a:p>
         </p:txBody>
@@ -2346,7 +2344,7 @@
           <a:p>
             <a:fld id="{791F1524-C5FD-4370-8A10-5BE52A97A495}" type="slidenum">
               <a:rPr lang="en-US" smtClean="0"/>
-              <a:t>10</a:t>
+              <a:t>9</a:t>
             </a:fld>
             <a:endParaRPr lang="en-US"/>
           </a:p>
@@ -2355,7 +2353,7 @@
     </p:spTree>
     <p:extLst>
       <p:ext uri="{BB962C8B-B14F-4D97-AF65-F5344CB8AC3E}">
-        <p14:creationId xmlns:p14="http://schemas.microsoft.com/office/powerpoint/2010/main" val="1817509900"/>
+        <p14:creationId xmlns:p14="http://schemas.microsoft.com/office/powerpoint/2010/main" val="1824130927"/>
       </p:ext>
     </p:extLst>
   </p:cSld>
@@ -2411,6 +2409,93 @@
           <a:p>
             <a:r>
               <a:rPr lang="en-US" dirty="0"/>
+              <a:t>https://xaktly.com/UniformProbDistr.html</a:t>
+            </a:r>
+          </a:p>
+        </p:txBody>
+      </p:sp>
+      <p:sp>
+        <p:nvSpPr>
+          <p:cNvPr id="4" name="Slide Number Placeholder 3"/>
+          <p:cNvSpPr>
+            <a:spLocks noGrp="1"/>
+          </p:cNvSpPr>
+          <p:nvPr>
+            <p:ph type="sldNum" sz="quarter" idx="5"/>
+          </p:nvPr>
+        </p:nvSpPr>
+        <p:spPr/>
+        <p:txBody>
+          <a:bodyPr/>
+          <a:lstStyle/>
+          <a:p>
+            <a:fld id="{791F1524-C5FD-4370-8A10-5BE52A97A495}" type="slidenum">
+              <a:rPr lang="en-US" smtClean="0"/>
+              <a:t>10</a:t>
+            </a:fld>
+            <a:endParaRPr lang="en-US"/>
+          </a:p>
+        </p:txBody>
+      </p:sp>
+    </p:spTree>
+    <p:extLst>
+      <p:ext uri="{BB962C8B-B14F-4D97-AF65-F5344CB8AC3E}">
+        <p14:creationId xmlns:p14="http://schemas.microsoft.com/office/powerpoint/2010/main" val="1817509900"/>
+      </p:ext>
+    </p:extLst>
+  </p:cSld>
+  <p:clrMapOvr>
+    <a:masterClrMapping/>
+  </p:clrMapOvr>
+</p:notes>
+</file>
+
+<file path=ppt/notesSlides/notesSlide5.xml><?xml version="1.0" encoding="utf-8"?>
+<p:notes xmlns:a="http://schemas.openxmlformats.org/drawingml/2006/main" xmlns:r="http://schemas.openxmlformats.org/officeDocument/2006/relationships" xmlns:p="http://schemas.openxmlformats.org/presentationml/2006/main">
+  <p:cSld>
+    <p:spTree>
+      <p:nvGrpSpPr>
+        <p:cNvPr id="1" name=""/>
+        <p:cNvGrpSpPr/>
+        <p:nvPr/>
+      </p:nvGrpSpPr>
+      <p:grpSpPr>
+        <a:xfrm>
+          <a:off x="0" y="0"/>
+          <a:ext cx="0" cy="0"/>
+          <a:chOff x="0" y="0"/>
+          <a:chExt cx="0" cy="0"/>
+        </a:xfrm>
+      </p:grpSpPr>
+      <p:sp>
+        <p:nvSpPr>
+          <p:cNvPr id="2" name="Slide Image Placeholder 1"/>
+          <p:cNvSpPr>
+            <a:spLocks noGrp="1" noRot="1" noChangeAspect="1"/>
+          </p:cNvSpPr>
+          <p:nvPr>
+            <p:ph type="sldImg"/>
+          </p:nvPr>
+        </p:nvSpPr>
+        <p:spPr/>
+      </p:sp>
+      <p:sp>
+        <p:nvSpPr>
+          <p:cNvPr id="3" name="Notes Placeholder 2"/>
+          <p:cNvSpPr>
+            <a:spLocks noGrp="1"/>
+          </p:cNvSpPr>
+          <p:nvPr>
+            <p:ph type="body" idx="1"/>
+          </p:nvPr>
+        </p:nvSpPr>
+        <p:spPr/>
+        <p:txBody>
+          <a:bodyPr/>
+          <a:lstStyle/>
+          <a:p>
+            <a:r>
+              <a:rPr lang="en-US" dirty="0"/>
               <a:t>https://mathbitsnotebook.com/Algebra2/Probability/PBBinomialProbNormalCurve.html  </a:t>
             </a:r>
           </a:p>
@@ -2452,7 +2537,7 @@
 </p:notes>
 </file>
 
-<file path=ppt/notesSlides/notesSlide5.xml><?xml version="1.0" encoding="utf-8"?>
+<file path=ppt/notesSlides/notesSlide6.xml><?xml version="1.0" encoding="utf-8"?>
 <p:notes xmlns:a="http://schemas.openxmlformats.org/drawingml/2006/main" xmlns:r="http://schemas.openxmlformats.org/officeDocument/2006/relationships" xmlns:p="http://schemas.openxmlformats.org/presentationml/2006/main">
   <p:cSld>
     <p:spTree>
@@ -2730,7 +2815,7 @@
           <a:p>
             <a:fld id="{ACF1A1B0-862D-4909-A7DB-D8ADA062DFCA}" type="datetimeFigureOut">
               <a:rPr lang="en-US" dirty="0"/>
-              <a:t>4/25/2021</a:t>
+              <a:t>4/28/2021</a:t>
             </a:fld>
             <a:endParaRPr lang="en-US"/>
           </a:p>
@@ -2953,7 +3038,7 @@
           <a:p>
             <a:fld id="{7B156144-9CB7-4E3A-B87E-A382F9BE05EF}" type="datetimeFigureOut">
               <a:rPr lang="en-US" dirty="0"/>
-              <a:t>4/25/2021</a:t>
+              <a:t>4/28/2021</a:t>
             </a:fld>
             <a:endParaRPr lang="en-US"/>
           </a:p>
@@ -3131,7 +3216,7 @@
           <a:p>
             <a:fld id="{2643D55F-46AB-4791-9172-4FA8DD3A6A9C}" type="datetimeFigureOut">
               <a:rPr lang="en-US" dirty="0"/>
-              <a:t>4/25/2021</a:t>
+              <a:t>4/28/2021</a:t>
             </a:fld>
             <a:endParaRPr lang="en-US"/>
           </a:p>
@@ -3299,7 +3384,7 @@
           <a:p>
             <a:fld id="{58026881-8A08-449C-8D73-E5F201F814C1}" type="datetimeFigureOut">
               <a:rPr lang="en-US" dirty="0"/>
-              <a:t>4/25/2021</a:t>
+              <a:t>4/28/2021</a:t>
             </a:fld>
             <a:endParaRPr lang="en-US"/>
           </a:p>
@@ -3589,7 +3674,7 @@
           <a:p>
             <a:fld id="{1BEB5A5E-0C07-4E93-A112-D37B4D166B30}" type="datetimeFigureOut">
               <a:rPr lang="en-US" dirty="0"/>
-              <a:t>4/25/2021</a:t>
+              <a:t>4/28/2021</a:t>
             </a:fld>
             <a:endParaRPr lang="en-US"/>
           </a:p>
@@ -3912,7 +3997,7 @@
           <a:p>
             <a:fld id="{9E1F71C5-DC57-4358-A1EA-30C08AF6E3C5}" type="datetimeFigureOut">
               <a:rPr lang="en-US" dirty="0"/>
-              <a:t>4/25/2021</a:t>
+              <a:t>4/28/2021</a:t>
             </a:fld>
             <a:endParaRPr lang="en-US"/>
           </a:p>
@@ -4321,7 +4406,7 @@
           <a:p>
             <a:fld id="{12571DBA-DE60-4731-B773-47AAA185C143}" type="datetimeFigureOut">
               <a:rPr lang="en-US" dirty="0"/>
-              <a:t>4/25/2021</a:t>
+              <a:t>4/28/2021</a:t>
             </a:fld>
             <a:endParaRPr lang="en-US"/>
           </a:p>
@@ -4438,7 +4523,7 @@
           <a:p>
             <a:fld id="{4F170639-886C-4FCF-9EAB-ABB5DA3F3F4A}" type="datetimeFigureOut">
               <a:rPr lang="en-US" dirty="0"/>
-              <a:t>4/25/2021</a:t>
+              <a:t>4/28/2021</a:t>
             </a:fld>
             <a:endParaRPr lang="en-US"/>
           </a:p>
@@ -4533,7 +4618,7 @@
           <a:p>
             <a:fld id="{34C4A628-C83B-4C66-83F4-1711CE3738FD}" type="datetimeFigureOut">
               <a:rPr lang="en-US" dirty="0"/>
-              <a:t>4/25/2021</a:t>
+              <a:t>4/28/2021</a:t>
             </a:fld>
             <a:endParaRPr lang="en-US"/>
           </a:p>
@@ -4818,7 +4903,7 @@
           <a:p>
             <a:fld id="{B88C1D73-9400-43CA-A37F-F9B7D00DE14C}" type="datetimeFigureOut">
               <a:rPr lang="en-US" dirty="0"/>
-              <a:t>4/25/2021</a:t>
+              <a:t>4/28/2021</a:t>
             </a:fld>
             <a:endParaRPr lang="en-US"/>
           </a:p>
@@ -5090,7 +5175,7 @@
           <a:p>
             <a:fld id="{188B7711-B905-4633-B4D7-6F3A49A2E7D9}" type="datetimeFigureOut">
               <a:rPr lang="en-US" dirty="0"/>
-              <a:t>4/25/2021</a:t>
+              <a:t>4/28/2021</a:t>
             </a:fld>
             <a:endParaRPr lang="en-US"/>
           </a:p>
@@ -5340,7 +5425,7 @@
             <a:fld id="{89C235CF-BDA2-4E7E-8BBD-350479985E74}" type="datetimeFigureOut">
               <a:rPr lang="en-US" dirty="0"/>
               <a:pPr/>
-              <a:t>4/25/2021</a:t>
+              <a:t>4/28/2021</a:t>
             </a:fld>
             <a:endParaRPr lang="en-US"/>
           </a:p>
@@ -6429,6 +6514,114 @@
       </p:grpSpPr>
       <p:sp>
         <p:nvSpPr>
+          <p:cNvPr id="4" name="Title 3">
+            <a:extLst>
+              <a:ext uri="{FF2B5EF4-FFF2-40B4-BE49-F238E27FC236}">
+                <a16:creationId xmlns:a16="http://schemas.microsoft.com/office/drawing/2014/main" id="{297BDE90-8DCF-4039-AB05-11C3F09C3813}"/>
+              </a:ext>
+            </a:extLst>
+          </p:cNvPr>
+          <p:cNvSpPr>
+            <a:spLocks noGrp="1"/>
+          </p:cNvSpPr>
+          <p:nvPr>
+            <p:ph type="ctrTitle"/>
+          </p:nvPr>
+        </p:nvSpPr>
+        <p:spPr/>
+        <p:txBody>
+          <a:bodyPr/>
+          <a:lstStyle/>
+          <a:p>
+            <a:r>
+              <a:rPr lang="en-US" dirty="0"/>
+              <a:t>Break (5 Minutes)</a:t>
+            </a:r>
+          </a:p>
+        </p:txBody>
+      </p:sp>
+      <p:sp>
+        <p:nvSpPr>
+          <p:cNvPr id="5" name="Subtitle 4">
+            <a:extLst>
+              <a:ext uri="{FF2B5EF4-FFF2-40B4-BE49-F238E27FC236}">
+                <a16:creationId xmlns:a16="http://schemas.microsoft.com/office/drawing/2014/main" id="{AE43AD4D-53BE-4D90-B4EE-A313556AC5A9}"/>
+              </a:ext>
+            </a:extLst>
+          </p:cNvPr>
+          <p:cNvSpPr>
+            <a:spLocks noGrp="1"/>
+          </p:cNvSpPr>
+          <p:nvPr>
+            <p:ph type="subTitle" idx="1"/>
+          </p:nvPr>
+        </p:nvSpPr>
+        <p:spPr/>
+        <p:txBody>
+          <a:bodyPr/>
+          <a:lstStyle/>
+          <a:p>
+            <a:r>
+              <a:rPr lang="en-US" dirty="0"/>
+              <a:t>Attendance word: </a:t>
+            </a:r>
+            <a:r>
+              <a:rPr lang="en-US" b="0" i="0" dirty="0" err="1">
+                <a:solidFill>
+                  <a:schemeClr val="tx1"/>
+                </a:solidFill>
+                <a:effectLst/>
+                <a:latin typeface="Slack-Lato"/>
+              </a:rPr>
+              <a:t>OutstandingOpsEngineer</a:t>
+            </a:r>
+            <a:endParaRPr lang="en-US" dirty="0">
+              <a:solidFill>
+                <a:schemeClr val="tx1"/>
+              </a:solidFill>
+            </a:endParaRPr>
+          </a:p>
+          <a:p>
+            <a:endParaRPr lang="en-US" dirty="0">
+              <a:solidFill>
+                <a:schemeClr val="tx1"/>
+              </a:solidFill>
+            </a:endParaRPr>
+          </a:p>
+        </p:txBody>
+      </p:sp>
+    </p:spTree>
+    <p:extLst>
+      <p:ext uri="{BB962C8B-B14F-4D97-AF65-F5344CB8AC3E}">
+        <p14:creationId xmlns:p14="http://schemas.microsoft.com/office/powerpoint/2010/main" val="2787214284"/>
+      </p:ext>
+    </p:extLst>
+  </p:cSld>
+  <p:clrMapOvr>
+    <a:masterClrMapping/>
+  </p:clrMapOvr>
+</p:sld>
+</file>
+
+<file path=ppt/slides/slide16.xml><?xml version="1.0" encoding="utf-8"?>
+<p:sld xmlns:a="http://schemas.openxmlformats.org/drawingml/2006/main" xmlns:r="http://schemas.openxmlformats.org/officeDocument/2006/relationships" xmlns:p="http://schemas.openxmlformats.org/presentationml/2006/main">
+  <p:cSld>
+    <p:spTree>
+      <p:nvGrpSpPr>
+        <p:cNvPr id="1" name=""/>
+        <p:cNvGrpSpPr/>
+        <p:nvPr/>
+      </p:nvGrpSpPr>
+      <p:grpSpPr>
+        <a:xfrm>
+          <a:off x="0" y="0"/>
+          <a:ext cx="0" cy="0"/>
+          <a:chOff x="0" y="0"/>
+          <a:chExt cx="0" cy="0"/>
+        </a:xfrm>
+      </p:grpSpPr>
+      <p:sp>
+        <p:nvSpPr>
           <p:cNvPr id="2" name="Title 1">
             <a:extLst>
               <a:ext uri="{FF2B5EF4-FFF2-40B4-BE49-F238E27FC236}">
@@ -6993,7 +7186,7 @@
           <a:p>
             <a:r>
               <a:rPr lang="en-US" dirty="0"/>
-              <a:t>Break (15 Minutes)</a:t>
+              <a:t>Break (5 Minutes)</a:t>
             </a:r>
           </a:p>
         </p:txBody>
@@ -7024,10 +7217,20 @@
               <a:t>Attendance word: </a:t>
             </a:r>
             <a:r>
-              <a:rPr lang="en-US" dirty="0" err="1"/>
-              <a:t>DivineDBA</a:t>
-            </a:r>
-            <a:endParaRPr lang="en-US" dirty="0"/>
+              <a:rPr lang="en-US" b="0" i="0" dirty="0" err="1">
+                <a:solidFill>
+                  <a:schemeClr val="tx1"/>
+                </a:solidFill>
+                <a:effectLst/>
+                <a:latin typeface="Slack-Lato"/>
+              </a:rPr>
+              <a:t>OutstandingOpsEngineer</a:t>
+            </a:r>
+            <a:endParaRPr lang="en-US" dirty="0">
+              <a:solidFill>
+                <a:schemeClr val="tx1"/>
+              </a:solidFill>
+            </a:endParaRPr>
           </a:p>
           <a:p>
             <a:endParaRPr lang="en-US" dirty="0">
